--- a/project 2.pptx
+++ b/project 2.pptx
@@ -6,11 +6,11 @@
   </p:sldMasterIdLst>
   <p:sldIdLst>
     <p:sldId id="256" r:id="rId2"/>
-    <p:sldId id="257" r:id="rId3"/>
-    <p:sldId id="261" r:id="rId4"/>
-    <p:sldId id="262" r:id="rId5"/>
+    <p:sldId id="261" r:id="rId3"/>
+    <p:sldId id="262" r:id="rId4"/>
+    <p:sldId id="259" r:id="rId5"/>
     <p:sldId id="258" r:id="rId6"/>
-    <p:sldId id="259" r:id="rId7"/>
+    <p:sldId id="263" r:id="rId7"/>
     <p:sldId id="260" r:id="rId8"/>
   </p:sldIdLst>
   <p:sldSz cx="12192000" cy="6858000"/>
@@ -288,7 +288,7 @@
           <a:p>
             <a:fld id="{48A87A34-81AB-432B-8DAE-1953F412C126}" type="datetimeFigureOut">
               <a:rPr lang="en-US" dirty="0"/>
-              <a:t>10/9/16</a:t>
+              <a:t>10/10/2016</a:t>
             </a:fld>
             <a:endParaRPr lang="en-US" dirty="0"/>
           </a:p>
@@ -550,7 +550,7 @@
           <a:p>
             <a:fld id="{48A87A34-81AB-432B-8DAE-1953F412C126}" type="datetimeFigureOut">
               <a:rPr lang="en-US" dirty="0"/>
-              <a:t>10/9/16</a:t>
+              <a:t>10/10/2016</a:t>
             </a:fld>
             <a:endParaRPr lang="en-US" dirty="0"/>
           </a:p>
@@ -777,7 +777,7 @@
             <a:fld id="{48A87A34-81AB-432B-8DAE-1953F412C126}" type="datetimeFigureOut">
               <a:rPr lang="en-US" dirty="0"/>
               <a:pPr/>
-              <a:t>10/9/16</a:t>
+              <a:t>10/10/2016</a:t>
             </a:fld>
             <a:endParaRPr lang="en-US" dirty="0"/>
           </a:p>
@@ -1083,7 +1083,7 @@
             <a:fld id="{48A87A34-81AB-432B-8DAE-1953F412C126}" type="datetimeFigureOut">
               <a:rPr lang="en-US" dirty="0"/>
               <a:pPr/>
-              <a:t>10/9/16</a:t>
+              <a:t>10/10/2016</a:t>
             </a:fld>
             <a:endParaRPr lang="en-US" dirty="0"/>
           </a:p>
@@ -1552,7 +1552,7 @@
             <a:fld id="{48A87A34-81AB-432B-8DAE-1953F412C126}" type="datetimeFigureOut">
               <a:rPr lang="en-US" dirty="0"/>
               <a:pPr/>
-              <a:t>10/9/16</a:t>
+              <a:t>10/10/2016</a:t>
             </a:fld>
             <a:endParaRPr lang="en-US" dirty="0"/>
           </a:p>
@@ -2094,7 +2094,7 @@
           <a:p>
             <a:fld id="{48A87A34-81AB-432B-8DAE-1953F412C126}" type="datetimeFigureOut">
               <a:rPr lang="en-US" dirty="0"/>
-              <a:t>10/9/16</a:t>
+              <a:t>10/10/2016</a:t>
             </a:fld>
             <a:endParaRPr lang="en-US" dirty="0"/>
           </a:p>
@@ -2863,7 +2863,7 @@
           <a:p>
             <a:fld id="{48A87A34-81AB-432B-8DAE-1953F412C126}" type="datetimeFigureOut">
               <a:rPr lang="en-US" dirty="0"/>
-              <a:t>10/9/16</a:t>
+              <a:t>10/10/2016</a:t>
             </a:fld>
             <a:endParaRPr lang="en-US" dirty="0"/>
           </a:p>
@@ -3033,7 +3033,7 @@
           <a:p>
             <a:fld id="{48A87A34-81AB-432B-8DAE-1953F412C126}" type="datetimeFigureOut">
               <a:rPr lang="en-US" dirty="0"/>
-              <a:t>10/9/16</a:t>
+              <a:t>10/10/2016</a:t>
             </a:fld>
             <a:endParaRPr lang="en-US" dirty="0"/>
           </a:p>
@@ -3252,7 +3252,7 @@
             <a:fld id="{48A87A34-81AB-432B-8DAE-1953F412C126}" type="datetimeFigureOut">
               <a:rPr lang="en-US" dirty="0"/>
               <a:pPr/>
-              <a:t>10/9/16</a:t>
+              <a:t>10/10/2016</a:t>
             </a:fld>
             <a:endParaRPr lang="en-US" dirty="0"/>
           </a:p>
@@ -3427,7 +3427,7 @@
           <a:p>
             <a:fld id="{48A87A34-81AB-432B-8DAE-1953F412C126}" type="datetimeFigureOut">
               <a:rPr lang="en-US" dirty="0"/>
-              <a:t>10/9/16</a:t>
+              <a:t>10/10/2016</a:t>
             </a:fld>
             <a:endParaRPr lang="en-US" dirty="0"/>
           </a:p>
@@ -3712,7 +3712,7 @@
             <a:fld id="{48A87A34-81AB-432B-8DAE-1953F412C126}" type="datetimeFigureOut">
               <a:rPr lang="en-US" dirty="0"/>
               <a:pPr/>
-              <a:t>10/9/16</a:t>
+              <a:t>10/10/2016</a:t>
             </a:fld>
             <a:endParaRPr lang="en-US" dirty="0"/>
           </a:p>
@@ -3949,7 +3949,7 @@
           <a:p>
             <a:fld id="{48A87A34-81AB-432B-8DAE-1953F412C126}" type="datetimeFigureOut">
               <a:rPr lang="en-US" dirty="0"/>
-              <a:t>10/9/16</a:t>
+              <a:t>10/10/2016</a:t>
             </a:fld>
             <a:endParaRPr lang="en-US" dirty="0"/>
           </a:p>
@@ -4323,7 +4323,7 @@
           <a:p>
             <a:fld id="{48A87A34-81AB-432B-8DAE-1953F412C126}" type="datetimeFigureOut">
               <a:rPr lang="en-US" dirty="0"/>
-              <a:t>10/9/16</a:t>
+              <a:t>10/10/2016</a:t>
             </a:fld>
             <a:endParaRPr lang="en-US" dirty="0"/>
           </a:p>
@@ -4436,7 +4436,7 @@
           <a:p>
             <a:fld id="{48A87A34-81AB-432B-8DAE-1953F412C126}" type="datetimeFigureOut">
               <a:rPr lang="en-US" dirty="0"/>
-              <a:t>10/9/16</a:t>
+              <a:t>10/10/2016</a:t>
             </a:fld>
             <a:endParaRPr lang="en-US" dirty="0"/>
           </a:p>
@@ -4526,7 +4526,7 @@
           <a:p>
             <a:fld id="{48A87A34-81AB-432B-8DAE-1953F412C126}" type="datetimeFigureOut">
               <a:rPr lang="en-US" dirty="0"/>
-              <a:t>10/9/16</a:t>
+              <a:t>10/10/2016</a:t>
             </a:fld>
             <a:endParaRPr lang="en-US" dirty="0"/>
           </a:p>
@@ -4770,7 +4770,7 @@
           <a:p>
             <a:fld id="{48A87A34-81AB-432B-8DAE-1953F412C126}" type="datetimeFigureOut">
               <a:rPr lang="en-US" dirty="0"/>
-              <a:t>10/9/16</a:t>
+              <a:t>10/10/2016</a:t>
             </a:fld>
             <a:endParaRPr lang="en-US" dirty="0"/>
           </a:p>
@@ -5022,7 +5022,7 @@
           <a:p>
             <a:fld id="{48A87A34-81AB-432B-8DAE-1953F412C126}" type="datetimeFigureOut">
               <a:rPr lang="en-US" dirty="0"/>
-              <a:t>10/9/16</a:t>
+              <a:t>10/10/2016</a:t>
             </a:fld>
             <a:endParaRPr lang="en-US" dirty="0"/>
           </a:p>
@@ -5261,7 +5261,7 @@
             <a:fld id="{48A87A34-81AB-432B-8DAE-1953F412C126}" type="datetimeFigureOut">
               <a:rPr lang="en-US" dirty="0"/>
               <a:pPr/>
-              <a:t>10/9/16</a:t>
+              <a:t>10/10/2016</a:t>
             </a:fld>
             <a:endParaRPr lang="en-US" dirty="0"/>
           </a:p>
@@ -5713,7 +5713,7 @@
         </p:nvSpPr>
         <p:spPr>
           <a:xfrm>
-            <a:off x="1350335" y="3632201"/>
+            <a:off x="2349141" y="3628501"/>
             <a:ext cx="9448800" cy="2789864"/>
           </a:xfrm>
         </p:spPr>
@@ -5729,7 +5729,15 @@
                 <a:ea typeface="Apple Chancery" charset="0"/>
                 <a:cs typeface="Apple Chancery" charset="0"/>
               </a:rPr>
-              <a:t>						</a:t>
+              <a:t>	</a:t>
+            </a:r>
+            <a:r>
+              <a:rPr lang="en-US" sz="1800" dirty="0">
+                <a:latin typeface="Apple Chancery" charset="0"/>
+                <a:ea typeface="Apple Chancery" charset="0"/>
+                <a:cs typeface="Apple Chancery" charset="0"/>
+              </a:rPr>
+              <a:t>	</a:t>
             </a:r>
             <a:r>
               <a:rPr lang="en-US" sz="3200" dirty="0" smtClean="0">
@@ -5739,6 +5747,11 @@
               </a:rPr>
               <a:t>By </a:t>
             </a:r>
+            <a:endParaRPr lang="en-US" sz="3200" dirty="0" smtClean="0">
+              <a:latin typeface="Apple Chancery" charset="0"/>
+              <a:ea typeface="Apple Chancery" charset="0"/>
+              <a:cs typeface="Apple Chancery" charset="0"/>
+            </a:endParaRPr>
           </a:p>
           <a:p>
             <a:r>
@@ -5755,7 +5768,15 @@
                 <a:ea typeface="Apple Chancery" charset="0"/>
                 <a:cs typeface="Apple Chancery" charset="0"/>
               </a:rPr>
-              <a:t>				</a:t>
+              <a:t>Forrest Wong, Arafat </a:t>
+            </a:r>
+            <a:r>
+              <a:rPr lang="en-US" sz="3200" dirty="0" err="1" smtClean="0">
+                <a:latin typeface="Apple Chancery" charset="0"/>
+                <a:ea typeface="Apple Chancery" charset="0"/>
+                <a:cs typeface="Apple Chancery" charset="0"/>
+              </a:rPr>
+              <a:t>Uddullah</a:t>
             </a:r>
             <a:r>
               <a:rPr lang="en-US" sz="3200" dirty="0" smtClean="0">
@@ -5763,13 +5784,32 @@
                 <a:ea typeface="Apple Chancery" charset="0"/>
                 <a:cs typeface="Apple Chancery" charset="0"/>
               </a:rPr>
-              <a:t>Forrest , Arafat &amp; Mona</a:t>
-            </a:r>
-            <a:endParaRPr lang="en-US" sz="3200" dirty="0" smtClean="0">
-              <a:latin typeface="Apple Chancery" charset="0"/>
-              <a:ea typeface="Apple Chancery" charset="0"/>
-              <a:cs typeface="Apple Chancery" charset="0"/>
-            </a:endParaRPr>
+              <a:t>, &amp; </a:t>
+            </a:r>
+            <a:r>
+              <a:rPr lang="en-US" sz="3200" dirty="0" err="1" smtClean="0">
+                <a:latin typeface="Apple Chancery" charset="0"/>
+                <a:ea typeface="Apple Chancery" charset="0"/>
+                <a:cs typeface="Apple Chancery" charset="0"/>
+              </a:rPr>
+              <a:t>Shittul</a:t>
+            </a:r>
+            <a:r>
+              <a:rPr lang="en-US" sz="3200" dirty="0" smtClean="0">
+                <a:latin typeface="Apple Chancery" charset="0"/>
+                <a:ea typeface="Apple Chancery" charset="0"/>
+                <a:cs typeface="Apple Chancery" charset="0"/>
+              </a:rPr>
+              <a:t> </a:t>
+            </a:r>
+            <a:r>
+              <a:rPr lang="en-US" sz="3200" dirty="0" smtClean="0">
+                <a:latin typeface="Apple Chancery" charset="0"/>
+                <a:ea typeface="Apple Chancery" charset="0"/>
+                <a:cs typeface="Apple Chancery" charset="0"/>
+              </a:rPr>
+              <a:t>Mona</a:t>
+            </a:r>
           </a:p>
         </p:txBody>
       </p:sp>
@@ -5820,7 +5860,7 @@
           <a:p>
             <a:r>
               <a:rPr lang="en-US" dirty="0" smtClean="0"/>
-              <a:t>About the team members</a:t>
+              <a:t>Description</a:t>
             </a:r>
             <a:endParaRPr lang="en-US" dirty="0"/>
           </a:p>
@@ -5844,41 +5884,51 @@
           <a:lstStyle/>
           <a:p>
             <a:r>
+              <a:rPr lang="en-US" sz="3200" dirty="0"/>
+              <a:t>To make the game of </a:t>
+            </a:r>
+            <a:r>
               <a:rPr lang="en-US" sz="3200" dirty="0" smtClean="0"/>
-              <a:t>Forrest Wong –Project Leader and programmer </a:t>
-            </a:r>
-          </a:p>
-          <a:p>
+              <a:t>hangman, </a:t>
+            </a:r>
+            <a:r>
+              <a:rPr lang="en-US" sz="3200" dirty="0"/>
+              <a:t>users interact with the page by letting them select </a:t>
+            </a:r>
             <a:r>
               <a:rPr lang="en-US" sz="3200" dirty="0" smtClean="0"/>
-              <a:t>Arafat </a:t>
-            </a:r>
-            <a:r>
-              <a:rPr lang="en-US" sz="3200" dirty="0" err="1" smtClean="0"/>
-              <a:t>Uddullah</a:t>
+              <a:t>letters</a:t>
             </a:r>
             <a:r>
               <a:rPr lang="en-US" sz="3200" dirty="0" smtClean="0"/>
-              <a:t> –Designer and part of the coder.</a:t>
-            </a:r>
-          </a:p>
-          <a:p>
+              <a:t> </a:t>
+            </a:r>
+            <a:r>
+              <a:rPr lang="en-US" sz="3200" dirty="0"/>
+              <a:t>to reveal the </a:t>
+            </a:r>
             <a:r>
               <a:rPr lang="en-US" sz="3200" dirty="0" smtClean="0"/>
-              <a:t>Shittul Mona- Tester </a:t>
-            </a:r>
-            <a:r>
-              <a:rPr lang="en-US" sz="3600" dirty="0" smtClean="0"/>
-              <a:t>.</a:t>
-            </a:r>
-            <a:endParaRPr lang="en-US" sz="3600" dirty="0"/>
+              <a:t>word.</a:t>
+            </a:r>
+          </a:p>
+          <a:p>
+            <a:r>
+              <a:rPr lang="en-US" sz="3200" dirty="0"/>
+              <a:t>Each time the user selects the wrong word, the hangman will receive a body part and eventually be </a:t>
+            </a:r>
+            <a:r>
+              <a:rPr lang="en-US" sz="3200" dirty="0" smtClean="0"/>
+              <a:t>hanged.</a:t>
+            </a:r>
+            <a:endParaRPr lang="en-US" sz="3200" dirty="0"/>
           </a:p>
         </p:txBody>
       </p:sp>
     </p:spTree>
     <p:extLst>
       <p:ext uri="{BB962C8B-B14F-4D97-AF65-F5344CB8AC3E}">
-        <p14:creationId xmlns:p14="http://schemas.microsoft.com/office/powerpoint/2010/main" val="733842896"/>
+        <p14:creationId xmlns:p14="http://schemas.microsoft.com/office/powerpoint/2010/main" val="1406147289"/>
       </p:ext>
     </p:extLst>
   </p:cSld>
@@ -5922,7 +5972,11 @@
           <a:p>
             <a:r>
               <a:rPr lang="en-US" dirty="0" smtClean="0"/>
-              <a:t>Problem Statement </a:t>
+              <a:t>Functionality </a:t>
+            </a:r>
+            <a:r>
+              <a:rPr lang="en-US" dirty="0" smtClean="0"/>
+              <a:t>of the Project</a:t>
             </a:r>
             <a:endParaRPr lang="en-US" dirty="0"/>
           </a:p>
@@ -5947,25 +6001,51 @@
           <a:p>
             <a:r>
               <a:rPr lang="en-US" sz="3200" dirty="0"/>
-              <a:t>To make the game of hangout, and users interact with the page by letting them select alphabets to reveal the </a:t>
+              <a:t>Ability to choose topic</a:t>
+            </a:r>
+          </a:p>
+          <a:p>
+            <a:r>
+              <a:rPr lang="en-US" sz="3200" dirty="0"/>
+              <a:t>Letters </a:t>
             </a:r>
             <a:r>
               <a:rPr lang="en-US" sz="3200" dirty="0" smtClean="0"/>
-              <a:t>word.</a:t>
-            </a:r>
-          </a:p>
-          <a:p>
-            <a:r>
-              <a:rPr lang="en-US" sz="3200"/>
-              <a:t>Each time the user selects the wrong word, the hangman will receive a body part and eventually </a:t>
-            </a:r>
-            <a:r>
-              <a:rPr lang="en-US" sz="3200"/>
-              <a:t>be </a:t>
-            </a:r>
-            <a:r>
-              <a:rPr lang="en-US" sz="3200" smtClean="0"/>
-              <a:t>hung.</a:t>
+              <a:t>removed</a:t>
+            </a:r>
+            <a:r>
+              <a:rPr lang="en-US" sz="3200" dirty="0" smtClean="0"/>
+              <a:t> </a:t>
+            </a:r>
+            <a:r>
+              <a:rPr lang="en-US" sz="3200" dirty="0"/>
+              <a:t>after selection</a:t>
+            </a:r>
+          </a:p>
+          <a:p>
+            <a:r>
+              <a:rPr lang="en-US" sz="3200" dirty="0" smtClean="0"/>
+              <a:t>Ability </a:t>
+            </a:r>
+            <a:r>
+              <a:rPr lang="en-US" sz="3200" dirty="0"/>
+              <a:t>to forfeit</a:t>
+            </a:r>
+          </a:p>
+          <a:p>
+            <a:r>
+              <a:rPr lang="en-US" sz="3200" dirty="0"/>
+              <a:t>Ability to play again after </a:t>
+            </a:r>
+            <a:r>
+              <a:rPr lang="en-US" sz="3200" dirty="0" smtClean="0"/>
+              <a:t>loss/victory</a:t>
+            </a:r>
+          </a:p>
+          <a:p>
+            <a:r>
+              <a:rPr lang="en-US" sz="3200" dirty="0" smtClean="0"/>
+              <a:t>Wins/losses are counted and displayed</a:t>
             </a:r>
             <a:endParaRPr lang="en-US" sz="3200" dirty="0"/>
           </a:p>
@@ -5974,7 +6054,7 @@
     </p:spTree>
     <p:extLst>
       <p:ext uri="{BB962C8B-B14F-4D97-AF65-F5344CB8AC3E}">
-        <p14:creationId xmlns:p14="http://schemas.microsoft.com/office/powerpoint/2010/main" val="1406147289"/>
+        <p14:creationId xmlns:p14="http://schemas.microsoft.com/office/powerpoint/2010/main" val="928754621"/>
       </p:ext>
     </p:extLst>
   </p:cSld>
@@ -6011,72 +6091,56 @@
             <p:ph type="title"/>
           </p:nvPr>
         </p:nvSpPr>
-        <p:spPr/>
-        <p:txBody>
-          <a:bodyPr/>
-          <a:lstStyle/>
-          <a:p>
-            <a:r>
-              <a:rPr lang="en-US" dirty="0" smtClean="0"/>
-              <a:t>Some of  the Functionality of the Project</a:t>
-            </a:r>
-            <a:endParaRPr lang="en-US" dirty="0"/>
-          </a:p>
-        </p:txBody>
-      </p:sp>
-      <p:sp>
-        <p:nvSpPr>
-          <p:cNvPr id="3" name="Content Placeholder 2"/>
-          <p:cNvSpPr>
-            <a:spLocks noGrp="1"/>
-          </p:cNvSpPr>
-          <p:nvPr>
-            <p:ph idx="1"/>
-          </p:nvPr>
-        </p:nvSpPr>
-        <p:spPr/>
+        <p:spPr>
+          <a:xfrm>
+            <a:off x="1784252" y="2367559"/>
+            <a:ext cx="8610600" cy="1293028"/>
+          </a:xfrm>
+        </p:spPr>
         <p:txBody>
           <a:bodyPr>
             <a:normAutofit/>
           </a:bodyPr>
           <a:lstStyle/>
           <a:p>
-            <a:r>
-              <a:rPr lang="en-US" sz="3200" dirty="0"/>
-              <a:t>Ability to choose topic</a:t>
-            </a:r>
-          </a:p>
-          <a:p>
-            <a:r>
-              <a:rPr lang="en-US" sz="3200" dirty="0"/>
-              <a:t>Letters gray out after selection</a:t>
-            </a:r>
-          </a:p>
-          <a:p>
-            <a:r>
-              <a:rPr lang="en-US" sz="3200" dirty="0"/>
-              <a:t>So unable to click after choosing </a:t>
-            </a:r>
-          </a:p>
-          <a:p>
-            <a:r>
-              <a:rPr lang="en-US" sz="3200" dirty="0"/>
-              <a:t>Ability to forfeit</a:t>
-            </a:r>
-          </a:p>
-          <a:p>
-            <a:r>
-              <a:rPr lang="en-US" sz="3200" dirty="0"/>
-              <a:t>Ability to play again after loss/victory</a:t>
-            </a:r>
-            <a:endParaRPr lang="en-US" sz="3200" dirty="0"/>
+            <a:pPr algn="ctr"/>
+            <a:r>
+              <a:rPr lang="en-US" sz="8000" dirty="0" smtClean="0"/>
+              <a:t>Demo</a:t>
+            </a:r>
+            <a:endParaRPr lang="en-US" sz="8000" dirty="0"/>
+          </a:p>
+        </p:txBody>
+      </p:sp>
+      <p:sp>
+        <p:nvSpPr>
+          <p:cNvPr id="4" name="Rectangle 3"/>
+          <p:cNvSpPr/>
+          <p:nvPr/>
+        </p:nvSpPr>
+        <p:spPr>
+          <a:xfrm>
+            <a:off x="5243042" y="3244334"/>
+            <a:ext cx="184731" cy="369332"/>
+          </a:xfrm>
+          <a:prstGeom prst="rect">
+            <a:avLst/>
+          </a:prstGeom>
+        </p:spPr>
+        <p:txBody>
+          <a:bodyPr wrap="none">
+            <a:spAutoFit/>
+          </a:bodyPr>
+          <a:lstStyle/>
+          <a:p>
+            <a:endParaRPr lang="en-US" dirty="0"/>
           </a:p>
         </p:txBody>
       </p:sp>
     </p:spTree>
     <p:extLst>
       <p:ext uri="{BB962C8B-B14F-4D97-AF65-F5344CB8AC3E}">
-        <p14:creationId xmlns:p14="http://schemas.microsoft.com/office/powerpoint/2010/main" val="928754621"/>
+        <p14:creationId xmlns:p14="http://schemas.microsoft.com/office/powerpoint/2010/main" val="132040341"/>
       </p:ext>
     </p:extLst>
   </p:cSld>
@@ -6120,49 +6184,113 @@
           <a:p>
             <a:r>
               <a:rPr lang="en-US" dirty="0" smtClean="0"/>
-              <a:t>Some of the </a:t>
-            </a:r>
-            <a:r>
-              <a:rPr lang="en-US" dirty="0" smtClean="0"/>
-              <a:t>code </a:t>
-            </a:r>
-            <a:endParaRPr lang="en-US" dirty="0"/>
-          </a:p>
-        </p:txBody>
-      </p:sp>
-      <p:sp>
-        <p:nvSpPr>
-          <p:cNvPr id="3" name="Content Placeholder 2"/>
-          <p:cNvSpPr>
-            <a:spLocks noGrp="1"/>
-          </p:cNvSpPr>
+              <a:t>Code snippets</a:t>
+            </a:r>
+            <a:endParaRPr lang="en-US" dirty="0"/>
+          </a:p>
+        </p:txBody>
+      </p:sp>
+      <p:pic>
+        <p:nvPicPr>
+          <p:cNvPr id="4" name="Content Placeholder 3"/>
+          <p:cNvPicPr>
+            <a:picLocks noGrp="1" noChangeAspect="1"/>
+          </p:cNvPicPr>
           <p:nvPr>
             <p:ph idx="1"/>
           </p:nvPr>
-        </p:nvSpPr>
-        <p:spPr/>
-        <p:txBody>
-          <a:bodyPr/>
-          <a:lstStyle/>
-          <a:p>
-            <a:pPr marL="0" marR="0" lvl="0" indent="0" defTabSz="914400" eaLnBrk="1" fontAlgn="auto" latinLnBrk="0" hangingPunct="1">
-              <a:lnSpc>
-                <a:spcPct val="100000"/>
-              </a:lnSpc>
-              <a:spcBef>
-                <a:spcPts val="0"/>
-              </a:spcBef>
-              <a:spcAft>
-                <a:spcPts val="0"/>
-              </a:spcAft>
-              <a:buClrTx/>
-              <a:buSzTx/>
-              <a:buFontTx/>
-              <a:buNone/>
-              <a:tabLst/>
-              <a:defRPr/>
-            </a:pPr>
-            <a:endParaRPr lang="en-US" dirty="0"/>
+        </p:nvPicPr>
+        <p:blipFill>
+          <a:blip r:embed="rId2"/>
+          <a:stretch>
+            <a:fillRect/>
+          </a:stretch>
+        </p:blipFill>
+        <p:spPr>
+          <a:xfrm>
+            <a:off x="660814" y="4394946"/>
+            <a:ext cx="9029002" cy="1528181"/>
+          </a:xfrm>
+          <a:prstGeom prst="rect">
+            <a:avLst/>
+          </a:prstGeom>
+        </p:spPr>
+      </p:pic>
+      <p:pic>
+        <p:nvPicPr>
+          <p:cNvPr id="7" name="Picture 6"/>
+          <p:cNvPicPr>
+            <a:picLocks noChangeAspect="1"/>
+          </p:cNvPicPr>
+          <p:nvPr/>
+        </p:nvPicPr>
+        <p:blipFill>
+          <a:blip r:embed="rId3"/>
+          <a:stretch>
+            <a:fillRect/>
+          </a:stretch>
+        </p:blipFill>
+        <p:spPr>
+          <a:xfrm>
+            <a:off x="660814" y="3221410"/>
+            <a:ext cx="4990592" cy="940987"/>
+          </a:xfrm>
+          <a:prstGeom prst="rect">
+            <a:avLst/>
+          </a:prstGeom>
+        </p:spPr>
+      </p:pic>
+      <p:pic>
+        <p:nvPicPr>
+          <p:cNvPr id="9" name="Picture 8"/>
+          <p:cNvPicPr>
+            <a:picLocks noChangeAspect="1"/>
+          </p:cNvPicPr>
+          <p:nvPr/>
+        </p:nvPicPr>
+        <p:blipFill>
+          <a:blip r:embed="rId4"/>
+          <a:stretch>
+            <a:fillRect/>
+          </a:stretch>
+        </p:blipFill>
+        <p:spPr>
+          <a:xfrm>
+            <a:off x="660814" y="1928382"/>
+            <a:ext cx="6387820" cy="1060478"/>
+          </a:xfrm>
+          <a:prstGeom prst="rect">
+            <a:avLst/>
+          </a:prstGeom>
+        </p:spPr>
+      </p:pic>
+      <p:sp>
+        <p:nvSpPr>
+          <p:cNvPr id="10" name="TextBox 9"/>
+          <p:cNvSpPr txBox="1"/>
+          <p:nvPr/>
+        </p:nvSpPr>
+        <p:spPr>
+          <a:xfrm>
+            <a:off x="933769" y="1172612"/>
+            <a:ext cx="1194558" cy="523220"/>
+          </a:xfrm>
+          <a:prstGeom prst="rect">
+            <a:avLst/>
+          </a:prstGeom>
+          <a:noFill/>
+        </p:spPr>
+        <p:txBody>
+          <a:bodyPr wrap="none" rtlCol="0">
+            <a:spAutoFit/>
+          </a:bodyPr>
+          <a:lstStyle/>
+          <a:p>
+            <a:r>
+              <a:rPr lang="en-US" sz="2800" dirty="0" err="1" smtClean="0"/>
+              <a:t>main.php</a:t>
+            </a:r>
+            <a:endParaRPr lang="en-US" sz="2800" dirty="0"/>
           </a:p>
         </p:txBody>
       </p:sp>
@@ -6213,60 +6341,120 @@
           <a:p>
             <a:r>
               <a:rPr lang="en-US" dirty="0" smtClean="0"/>
-              <a:t>Demo</a:t>
-            </a:r>
-            <a:endParaRPr lang="en-US" dirty="0"/>
-          </a:p>
-        </p:txBody>
-      </p:sp>
-      <p:sp>
-        <p:nvSpPr>
-          <p:cNvPr id="3" name="Content Placeholder 2"/>
-          <p:cNvSpPr>
-            <a:spLocks noGrp="1"/>
-          </p:cNvSpPr>
-          <p:nvPr>
-            <p:ph idx="1"/>
-          </p:nvPr>
-        </p:nvSpPr>
-        <p:spPr/>
-        <p:txBody>
-          <a:bodyPr/>
-          <a:lstStyle/>
-          <a:p>
-            <a:endParaRPr lang="en-US" dirty="0"/>
-          </a:p>
-        </p:txBody>
-      </p:sp>
-      <p:sp>
-        <p:nvSpPr>
-          <p:cNvPr id="4" name="Rectangle 3"/>
-          <p:cNvSpPr/>
+              <a:t>Code snippets</a:t>
+            </a:r>
+            <a:endParaRPr lang="en-US" dirty="0"/>
+          </a:p>
+        </p:txBody>
+      </p:sp>
+      <p:pic>
+        <p:nvPicPr>
+          <p:cNvPr id="4" name="Picture 3"/>
+          <p:cNvPicPr>
+            <a:picLocks noChangeAspect="1"/>
+          </p:cNvPicPr>
           <p:nvPr/>
-        </p:nvSpPr>
-        <p:spPr>
-          <a:xfrm>
-            <a:off x="5243042" y="3244334"/>
-            <a:ext cx="184731" cy="369332"/>
+        </p:nvPicPr>
+        <p:blipFill>
+          <a:blip r:embed="rId2"/>
+          <a:stretch>
+            <a:fillRect/>
+          </a:stretch>
+        </p:blipFill>
+        <p:spPr>
+          <a:xfrm>
+            <a:off x="445831" y="1184262"/>
+            <a:ext cx="7867497" cy="1094001"/>
           </a:xfrm>
           <a:prstGeom prst="rect">
             <a:avLst/>
           </a:prstGeom>
         </p:spPr>
-        <p:txBody>
-          <a:bodyPr wrap="none">
+      </p:pic>
+      <p:pic>
+        <p:nvPicPr>
+          <p:cNvPr id="5" name="Content Placeholder 4"/>
+          <p:cNvPicPr>
+            <a:picLocks noGrp="1" noChangeAspect="1"/>
+          </p:cNvPicPr>
+          <p:nvPr>
+            <p:ph idx="1"/>
+          </p:nvPr>
+        </p:nvPicPr>
+        <p:blipFill>
+          <a:blip r:embed="rId3"/>
+          <a:stretch>
+            <a:fillRect/>
+          </a:stretch>
+        </p:blipFill>
+        <p:spPr>
+          <a:xfrm>
+            <a:off x="445831" y="2499126"/>
+            <a:ext cx="3730384" cy="4013448"/>
+          </a:xfrm>
+          <a:prstGeom prst="rect">
+            <a:avLst/>
+          </a:prstGeom>
+        </p:spPr>
+      </p:pic>
+      <p:sp>
+        <p:nvSpPr>
+          <p:cNvPr id="6" name="TextBox 5"/>
+          <p:cNvSpPr txBox="1"/>
+          <p:nvPr/>
+        </p:nvSpPr>
+        <p:spPr>
+          <a:xfrm>
+            <a:off x="834589" y="448928"/>
+            <a:ext cx="1672253" cy="523220"/>
+          </a:xfrm>
+          <a:prstGeom prst="rect">
+            <a:avLst/>
+          </a:prstGeom>
+          <a:noFill/>
+        </p:spPr>
+        <p:txBody>
+          <a:bodyPr wrap="none" rtlCol="0">
             <a:spAutoFit/>
           </a:bodyPr>
           <a:lstStyle/>
           <a:p>
-            <a:endParaRPr lang="en-US" dirty="0"/>
-          </a:p>
-        </p:txBody>
-      </p:sp>
+            <a:r>
+              <a:rPr lang="en-US" sz="2800" dirty="0" err="1" smtClean="0"/>
+              <a:t>hangman.php</a:t>
+            </a:r>
+            <a:endParaRPr lang="en-US" sz="2800" dirty="0"/>
+          </a:p>
+        </p:txBody>
+      </p:sp>
+      <p:pic>
+        <p:nvPicPr>
+          <p:cNvPr id="7" name="Picture 6"/>
+          <p:cNvPicPr>
+            <a:picLocks noChangeAspect="1"/>
+          </p:cNvPicPr>
+          <p:nvPr/>
+        </p:nvPicPr>
+        <p:blipFill>
+          <a:blip r:embed="rId4"/>
+          <a:stretch>
+            <a:fillRect/>
+          </a:stretch>
+        </p:blipFill>
+        <p:spPr>
+          <a:xfrm>
+            <a:off x="5087203" y="3072332"/>
+            <a:ext cx="5116608" cy="2878092"/>
+          </a:xfrm>
+          <a:prstGeom prst="rect">
+            <a:avLst/>
+          </a:prstGeom>
+        </p:spPr>
+      </p:pic>
     </p:spTree>
     <p:extLst>
       <p:ext uri="{BB962C8B-B14F-4D97-AF65-F5344CB8AC3E}">
-        <p14:creationId xmlns:p14="http://schemas.microsoft.com/office/powerpoint/2010/main" val="132040341"/>
+        <p14:creationId xmlns:p14="http://schemas.microsoft.com/office/powerpoint/2010/main" val="3702353763"/>
       </p:ext>
     </p:extLst>
   </p:cSld>
@@ -6303,42 +6491,24 @@
             <p:ph type="title"/>
           </p:nvPr>
         </p:nvSpPr>
-        <p:spPr/>
-        <p:txBody>
-          <a:bodyPr/>
-          <a:lstStyle/>
-          <a:p>
-            <a:r>
-              <a:rPr lang="en-US" dirty="0" smtClean="0"/>
-              <a:t>Q and A</a:t>
-            </a:r>
-            <a:endParaRPr lang="en-US" dirty="0"/>
-          </a:p>
-        </p:txBody>
-      </p:sp>
-      <p:sp>
-        <p:nvSpPr>
-          <p:cNvPr id="3" name="Content Placeholder 2"/>
-          <p:cNvSpPr>
-            <a:spLocks noGrp="1"/>
-          </p:cNvSpPr>
-          <p:nvPr>
-            <p:ph idx="1"/>
-          </p:nvPr>
-        </p:nvSpPr>
-        <p:spPr/>
+        <p:spPr>
+          <a:xfrm>
+            <a:off x="1798320" y="2269616"/>
+            <a:ext cx="8610600" cy="1293028"/>
+          </a:xfrm>
+        </p:spPr>
         <p:txBody>
           <a:bodyPr>
             <a:normAutofit/>
           </a:bodyPr>
           <a:lstStyle/>
           <a:p>
-            <a:pPr lvl="8"/>
-            <a:r>
-              <a:rPr lang="en-US" sz="4000" dirty="0" smtClean="0"/>
-              <a:t>Any question? </a:t>
-            </a:r>
-            <a:endParaRPr lang="en-US" sz="4000" dirty="0"/>
+            <a:pPr algn="ctr"/>
+            <a:r>
+              <a:rPr lang="en-US" sz="8000" dirty="0" smtClean="0"/>
+              <a:t>Questions?</a:t>
+            </a:r>
+            <a:endParaRPr lang="en-US" sz="8000" dirty="0"/>
           </a:p>
         </p:txBody>
       </p:sp>
